--- a/design/design.pptx
+++ b/design/design.pptx
@@ -7,7 +7,7 @@
   <p:sldIdLst>
     <p:sldId id="256" r:id="rId3"/>
   </p:sldIdLst>
-  <p:sldSz cx="12192000" cy="6858000"/>
+  <p:sldSz cx="51198780" cy="17999710"/>
   <p:notesSz cx="6858000" cy="9144000"/>
   <p:defaultTextStyle>
     <a:defPPr>
@@ -136,15 +136,15 @@
         </p:nvSpPr>
         <p:spPr>
           <a:xfrm>
-            <a:off x="1524000" y="1122363"/>
-            <a:ext cx="9144000" cy="2387600"/>
+            <a:off x="6399953" y="2945859"/>
+            <a:ext cx="38399718" cy="6266718"/>
           </a:xfrm>
         </p:spPr>
         <p:txBody>
           <a:bodyPr anchor="b"/>
           <a:lstStyle>
             <a:lvl1pPr algn="ctr">
-              <a:defRPr sz="6000"/>
+              <a:defRPr sz="15750"/>
             </a:lvl1pPr>
           </a:lstStyle>
           <a:p>
@@ -168,8 +168,8 @@
         </p:nvSpPr>
         <p:spPr>
           <a:xfrm>
-            <a:off x="1524000" y="3602038"/>
-            <a:ext cx="9144000" cy="1655762"/>
+            <a:off x="6399953" y="9454246"/>
+            <a:ext cx="38399718" cy="4345868"/>
           </a:xfrm>
         </p:spPr>
         <p:txBody>
@@ -177,39 +177,39 @@
           <a:lstStyle>
             <a:lvl1pPr marL="0" indent="0" algn="ctr">
               <a:buNone/>
-              <a:defRPr sz="2400"/>
+              <a:defRPr sz="6300"/>
             </a:lvl1pPr>
-            <a:lvl2pPr marL="457200" indent="0" algn="ctr">
-              <a:buNone/>
-              <a:defRPr sz="2000"/>
+            <a:lvl2pPr marL="1200150" indent="0" algn="ctr">
+              <a:buNone/>
+              <a:defRPr sz="5250"/>
             </a:lvl2pPr>
-            <a:lvl3pPr marL="914400" indent="0" algn="ctr">
-              <a:buNone/>
-              <a:defRPr sz="1800"/>
+            <a:lvl3pPr marL="2400300" indent="0" algn="ctr">
+              <a:buNone/>
+              <a:defRPr sz="4725"/>
             </a:lvl3pPr>
-            <a:lvl4pPr marL="1371600" indent="0" algn="ctr">
-              <a:buNone/>
-              <a:defRPr sz="1600"/>
+            <a:lvl4pPr marL="3599815" indent="0" algn="ctr">
+              <a:buNone/>
+              <a:defRPr sz="4200"/>
             </a:lvl4pPr>
-            <a:lvl5pPr marL="1828800" indent="0" algn="ctr">
-              <a:buNone/>
-              <a:defRPr sz="1600"/>
+            <a:lvl5pPr marL="4799965" indent="0" algn="ctr">
+              <a:buNone/>
+              <a:defRPr sz="4200"/>
             </a:lvl5pPr>
-            <a:lvl6pPr marL="2286000" indent="0" algn="ctr">
-              <a:buNone/>
-              <a:defRPr sz="1600"/>
+            <a:lvl6pPr marL="6000115" indent="0" algn="ctr">
+              <a:buNone/>
+              <a:defRPr sz="4200"/>
             </a:lvl6pPr>
-            <a:lvl7pPr marL="2743200" indent="0" algn="ctr">
-              <a:buNone/>
-              <a:defRPr sz="1600"/>
+            <a:lvl7pPr marL="7200265" indent="0" algn="ctr">
+              <a:buNone/>
+              <a:defRPr sz="4200"/>
             </a:lvl7pPr>
-            <a:lvl8pPr marL="3200400" indent="0" algn="ctr">
-              <a:buNone/>
-              <a:defRPr sz="1600"/>
+            <a:lvl8pPr marL="8399780" indent="0" algn="ctr">
+              <a:buNone/>
+              <a:defRPr sz="4200"/>
             </a:lvl8pPr>
-            <a:lvl9pPr marL="3657600" indent="0" algn="ctr">
-              <a:buNone/>
-              <a:defRPr sz="1600"/>
+            <a:lvl9pPr marL="9599930" indent="0" algn="ctr">
+              <a:buNone/>
+              <a:defRPr sz="4200"/>
             </a:lvl9pPr>
           </a:lstStyle>
           <a:p>
@@ -488,8 +488,8 @@
         </p:nvSpPr>
         <p:spPr>
           <a:xfrm>
-            <a:off x="8724900" y="365125"/>
-            <a:ext cx="2628900" cy="5811838"/>
+            <a:off x="36639730" y="958341"/>
+            <a:ext cx="11039919" cy="15254294"/>
           </a:xfrm>
         </p:spPr>
         <p:txBody>
@@ -516,8 +516,8 @@
         </p:nvSpPr>
         <p:spPr>
           <a:xfrm>
-            <a:off x="838200" y="365125"/>
-            <a:ext cx="7734300" cy="5811838"/>
+            <a:off x="3519974" y="958341"/>
+            <a:ext cx="32479761" cy="15254294"/>
           </a:xfrm>
         </p:spPr>
         <p:txBody>
@@ -832,15 +832,15 @@
         </p:nvSpPr>
         <p:spPr>
           <a:xfrm>
-            <a:off x="831850" y="1709738"/>
-            <a:ext cx="10515600" cy="2852737"/>
+            <a:off x="3493308" y="4487538"/>
+            <a:ext cx="44159675" cy="7487560"/>
           </a:xfrm>
         </p:spPr>
         <p:txBody>
           <a:bodyPr anchor="b"/>
           <a:lstStyle>
             <a:lvl1pPr>
-              <a:defRPr sz="6000"/>
+              <a:defRPr sz="15750"/>
             </a:lvl1pPr>
           </a:lstStyle>
           <a:p>
@@ -864,8 +864,8 @@
         </p:nvSpPr>
         <p:spPr>
           <a:xfrm>
-            <a:off x="831850" y="4589463"/>
-            <a:ext cx="10515600" cy="1500187"/>
+            <a:off x="3493308" y="12045934"/>
+            <a:ext cx="44159675" cy="3937531"/>
           </a:xfrm>
         </p:spPr>
         <p:txBody>
@@ -873,7 +873,7 @@
           <a:lstStyle>
             <a:lvl1pPr marL="0" indent="0">
               <a:buNone/>
-              <a:defRPr sz="2400">
+              <a:defRPr sz="6300">
                 <a:solidFill>
                   <a:schemeClr val="tx1">
                     <a:tint val="75000"/>
@@ -881,9 +881,9 @@
                 </a:solidFill>
               </a:defRPr>
             </a:lvl1pPr>
-            <a:lvl2pPr marL="457200" indent="0">
-              <a:buNone/>
-              <a:defRPr sz="2000">
+            <a:lvl2pPr marL="1200150" indent="0">
+              <a:buNone/>
+              <a:defRPr sz="5250">
                 <a:solidFill>
                   <a:schemeClr val="tx1">
                     <a:tint val="75000"/>
@@ -891,9 +891,9 @@
                 </a:solidFill>
               </a:defRPr>
             </a:lvl2pPr>
-            <a:lvl3pPr marL="914400" indent="0">
-              <a:buNone/>
-              <a:defRPr sz="1800">
+            <a:lvl3pPr marL="2400300" indent="0">
+              <a:buNone/>
+              <a:defRPr sz="4725">
                 <a:solidFill>
                   <a:schemeClr val="tx1">
                     <a:tint val="75000"/>
@@ -901,9 +901,9 @@
                 </a:solidFill>
               </a:defRPr>
             </a:lvl3pPr>
-            <a:lvl4pPr marL="1371600" indent="0">
-              <a:buNone/>
-              <a:defRPr sz="1600">
+            <a:lvl4pPr marL="3599815" indent="0">
+              <a:buNone/>
+              <a:defRPr sz="4200">
                 <a:solidFill>
                   <a:schemeClr val="tx1">
                     <a:tint val="75000"/>
@@ -911,9 +911,9 @@
                 </a:solidFill>
               </a:defRPr>
             </a:lvl4pPr>
-            <a:lvl5pPr marL="1828800" indent="0">
-              <a:buNone/>
-              <a:defRPr sz="1600">
+            <a:lvl5pPr marL="4799965" indent="0">
+              <a:buNone/>
+              <a:defRPr sz="4200">
                 <a:solidFill>
                   <a:schemeClr val="tx1">
                     <a:tint val="75000"/>
@@ -921,9 +921,9 @@
                 </a:solidFill>
               </a:defRPr>
             </a:lvl5pPr>
-            <a:lvl6pPr marL="2286000" indent="0">
-              <a:buNone/>
-              <a:defRPr sz="1600">
+            <a:lvl6pPr marL="6000115" indent="0">
+              <a:buNone/>
+              <a:defRPr sz="4200">
                 <a:solidFill>
                   <a:schemeClr val="tx1">
                     <a:tint val="75000"/>
@@ -931,9 +931,9 @@
                 </a:solidFill>
               </a:defRPr>
             </a:lvl6pPr>
-            <a:lvl7pPr marL="2743200" indent="0">
-              <a:buNone/>
-              <a:defRPr sz="1600">
+            <a:lvl7pPr marL="7200265" indent="0">
+              <a:buNone/>
+              <a:defRPr sz="4200">
                 <a:solidFill>
                   <a:schemeClr val="tx1">
                     <a:tint val="75000"/>
@@ -941,9 +941,9 @@
                 </a:solidFill>
               </a:defRPr>
             </a:lvl7pPr>
-            <a:lvl8pPr marL="3200400" indent="0">
-              <a:buNone/>
-              <a:defRPr sz="1600">
+            <a:lvl8pPr marL="8399780" indent="0">
+              <a:buNone/>
+              <a:defRPr sz="4200">
                 <a:solidFill>
                   <a:schemeClr val="tx1">
                     <a:tint val="75000"/>
@@ -951,9 +951,9 @@
                 </a:solidFill>
               </a:defRPr>
             </a:lvl8pPr>
-            <a:lvl9pPr marL="3657600" indent="0">
-              <a:buNone/>
-              <a:defRPr sz="1600">
+            <a:lvl9pPr marL="9599930" indent="0">
+              <a:buNone/>
+              <a:defRPr sz="4200">
                 <a:solidFill>
                   <a:schemeClr val="tx1">
                     <a:tint val="75000"/>
@@ -1095,8 +1095,8 @@
         </p:nvSpPr>
         <p:spPr>
           <a:xfrm>
-            <a:off x="838200" y="1825625"/>
-            <a:ext cx="5181600" cy="4351338"/>
+            <a:off x="3519974" y="4791706"/>
+            <a:ext cx="21759840" cy="11420929"/>
           </a:xfrm>
         </p:spPr>
         <p:txBody>
@@ -1156,8 +1156,8 @@
         </p:nvSpPr>
         <p:spPr>
           <a:xfrm>
-            <a:off x="6172200" y="1825625"/>
-            <a:ext cx="5181600" cy="4351338"/>
+            <a:off x="25919809" y="4791706"/>
+            <a:ext cx="21759840" cy="11420929"/>
           </a:xfrm>
         </p:spPr>
         <p:txBody>
@@ -1305,8 +1305,8 @@
         </p:nvSpPr>
         <p:spPr>
           <a:xfrm>
-            <a:off x="839788" y="365125"/>
-            <a:ext cx="10515600" cy="1325563"/>
+            <a:off x="3526643" y="958341"/>
+            <a:ext cx="44159675" cy="3479197"/>
           </a:xfrm>
         </p:spPr>
         <p:txBody>
@@ -1333,8 +1333,8 @@
         </p:nvSpPr>
         <p:spPr>
           <a:xfrm>
-            <a:off x="839788" y="1681163"/>
-            <a:ext cx="5157787" cy="823912"/>
+            <a:off x="3526643" y="4412538"/>
+            <a:ext cx="21659839" cy="2162517"/>
           </a:xfrm>
         </p:spPr>
         <p:txBody>
@@ -1342,39 +1342,39 @@
           <a:lstStyle>
             <a:lvl1pPr marL="0" indent="0">
               <a:buNone/>
-              <a:defRPr sz="2400" b="1"/>
+              <a:defRPr sz="6300" b="1"/>
             </a:lvl1pPr>
-            <a:lvl2pPr marL="457200" indent="0">
-              <a:buNone/>
-              <a:defRPr sz="2000" b="1"/>
+            <a:lvl2pPr marL="1200150" indent="0">
+              <a:buNone/>
+              <a:defRPr sz="5250" b="1"/>
             </a:lvl2pPr>
-            <a:lvl3pPr marL="914400" indent="0">
-              <a:buNone/>
-              <a:defRPr sz="1800" b="1"/>
+            <a:lvl3pPr marL="2400300" indent="0">
+              <a:buNone/>
+              <a:defRPr sz="4725" b="1"/>
             </a:lvl3pPr>
-            <a:lvl4pPr marL="1371600" indent="0">
-              <a:buNone/>
-              <a:defRPr sz="1600" b="1"/>
+            <a:lvl4pPr marL="3599815" indent="0">
+              <a:buNone/>
+              <a:defRPr sz="4200" b="1"/>
             </a:lvl4pPr>
-            <a:lvl5pPr marL="1828800" indent="0">
-              <a:buNone/>
-              <a:defRPr sz="1600" b="1"/>
+            <a:lvl5pPr marL="4799965" indent="0">
+              <a:buNone/>
+              <a:defRPr sz="4200" b="1"/>
             </a:lvl5pPr>
-            <a:lvl6pPr marL="2286000" indent="0">
-              <a:buNone/>
-              <a:defRPr sz="1600" b="1"/>
+            <a:lvl6pPr marL="6000115" indent="0">
+              <a:buNone/>
+              <a:defRPr sz="4200" b="1"/>
             </a:lvl6pPr>
-            <a:lvl7pPr marL="2743200" indent="0">
-              <a:buNone/>
-              <a:defRPr sz="1600" b="1"/>
+            <a:lvl7pPr marL="7200265" indent="0">
+              <a:buNone/>
+              <a:defRPr sz="4200" b="1"/>
             </a:lvl7pPr>
-            <a:lvl8pPr marL="3200400" indent="0">
-              <a:buNone/>
-              <a:defRPr sz="1600" b="1"/>
+            <a:lvl8pPr marL="8399780" indent="0">
+              <a:buNone/>
+              <a:defRPr sz="4200" b="1"/>
             </a:lvl8pPr>
-            <a:lvl9pPr marL="3657600" indent="0">
-              <a:buNone/>
-              <a:defRPr sz="1600" b="1"/>
+            <a:lvl9pPr marL="9599930" indent="0">
+              <a:buNone/>
+              <a:defRPr sz="4200" b="1"/>
             </a:lvl9pPr>
           </a:lstStyle>
           <a:p>
@@ -1399,8 +1399,8 @@
         </p:nvSpPr>
         <p:spPr>
           <a:xfrm>
-            <a:off x="839788" y="2505075"/>
-            <a:ext cx="5157787" cy="3684588"/>
+            <a:off x="3526643" y="6575054"/>
+            <a:ext cx="21659839" cy="9670914"/>
           </a:xfrm>
         </p:spPr>
         <p:txBody>
@@ -1460,8 +1460,8 @@
         </p:nvSpPr>
         <p:spPr>
           <a:xfrm>
-            <a:off x="6172200" y="1681163"/>
-            <a:ext cx="5183188" cy="823912"/>
+            <a:off x="25919809" y="4412538"/>
+            <a:ext cx="21766509" cy="2162517"/>
           </a:xfrm>
         </p:spPr>
         <p:txBody>
@@ -1469,39 +1469,39 @@
           <a:lstStyle>
             <a:lvl1pPr marL="0" indent="0">
               <a:buNone/>
-              <a:defRPr sz="2400" b="1"/>
+              <a:defRPr sz="6300" b="1"/>
             </a:lvl1pPr>
-            <a:lvl2pPr marL="457200" indent="0">
-              <a:buNone/>
-              <a:defRPr sz="2000" b="1"/>
+            <a:lvl2pPr marL="1200150" indent="0">
+              <a:buNone/>
+              <a:defRPr sz="5250" b="1"/>
             </a:lvl2pPr>
-            <a:lvl3pPr marL="914400" indent="0">
-              <a:buNone/>
-              <a:defRPr sz="1800" b="1"/>
+            <a:lvl3pPr marL="2400300" indent="0">
+              <a:buNone/>
+              <a:defRPr sz="4725" b="1"/>
             </a:lvl3pPr>
-            <a:lvl4pPr marL="1371600" indent="0">
-              <a:buNone/>
-              <a:defRPr sz="1600" b="1"/>
+            <a:lvl4pPr marL="3599815" indent="0">
+              <a:buNone/>
+              <a:defRPr sz="4200" b="1"/>
             </a:lvl4pPr>
-            <a:lvl5pPr marL="1828800" indent="0">
-              <a:buNone/>
-              <a:defRPr sz="1600" b="1"/>
+            <a:lvl5pPr marL="4799965" indent="0">
+              <a:buNone/>
+              <a:defRPr sz="4200" b="1"/>
             </a:lvl5pPr>
-            <a:lvl6pPr marL="2286000" indent="0">
-              <a:buNone/>
-              <a:defRPr sz="1600" b="1"/>
+            <a:lvl6pPr marL="6000115" indent="0">
+              <a:buNone/>
+              <a:defRPr sz="4200" b="1"/>
             </a:lvl6pPr>
-            <a:lvl7pPr marL="2743200" indent="0">
-              <a:buNone/>
-              <a:defRPr sz="1600" b="1"/>
+            <a:lvl7pPr marL="7200265" indent="0">
+              <a:buNone/>
+              <a:defRPr sz="4200" b="1"/>
             </a:lvl7pPr>
-            <a:lvl8pPr marL="3200400" indent="0">
-              <a:buNone/>
-              <a:defRPr sz="1600" b="1"/>
+            <a:lvl8pPr marL="8399780" indent="0">
+              <a:buNone/>
+              <a:defRPr sz="4200" b="1"/>
             </a:lvl8pPr>
-            <a:lvl9pPr marL="3657600" indent="0">
-              <a:buNone/>
-              <a:defRPr sz="1600" b="1"/>
+            <a:lvl9pPr marL="9599930" indent="0">
+              <a:buNone/>
+              <a:defRPr sz="4200" b="1"/>
             </a:lvl9pPr>
           </a:lstStyle>
           <a:p>
@@ -1526,8 +1526,8 @@
         </p:nvSpPr>
         <p:spPr>
           <a:xfrm>
-            <a:off x="6172200" y="2505075"/>
-            <a:ext cx="5183188" cy="3684588"/>
+            <a:off x="25919809" y="6575054"/>
+            <a:ext cx="21766509" cy="9670914"/>
           </a:xfrm>
         </p:spPr>
         <p:txBody>
@@ -1874,15 +1874,15 @@
         </p:nvSpPr>
         <p:spPr>
           <a:xfrm>
-            <a:off x="839788" y="457200"/>
-            <a:ext cx="3932237" cy="1600200"/>
+            <a:off x="3526643" y="1200010"/>
+            <a:ext cx="16513210" cy="4200035"/>
           </a:xfrm>
         </p:spPr>
         <p:txBody>
           <a:bodyPr anchor="b"/>
           <a:lstStyle>
             <a:lvl1pPr>
-              <a:defRPr sz="3200"/>
+              <a:defRPr sz="8400"/>
             </a:lvl1pPr>
           </a:lstStyle>
           <a:p>
@@ -1906,39 +1906,39 @@
         </p:nvSpPr>
         <p:spPr>
           <a:xfrm>
-            <a:off x="5183188" y="987425"/>
-            <a:ext cx="6172200" cy="4873625"/>
+            <a:off x="21766509" y="2591688"/>
+            <a:ext cx="25919809" cy="12791772"/>
           </a:xfrm>
         </p:spPr>
         <p:txBody>
           <a:bodyPr/>
           <a:lstStyle>
             <a:lvl1pPr>
-              <a:defRPr sz="3200"/>
+              <a:defRPr sz="8400"/>
             </a:lvl1pPr>
             <a:lvl2pPr>
-              <a:defRPr sz="2800"/>
+              <a:defRPr sz="7350"/>
             </a:lvl2pPr>
             <a:lvl3pPr>
-              <a:defRPr sz="2400"/>
+              <a:defRPr sz="6300"/>
             </a:lvl3pPr>
             <a:lvl4pPr>
-              <a:defRPr sz="2000"/>
+              <a:defRPr sz="5250"/>
             </a:lvl4pPr>
             <a:lvl5pPr>
-              <a:defRPr sz="2000"/>
+              <a:defRPr sz="5250"/>
             </a:lvl5pPr>
             <a:lvl6pPr>
-              <a:defRPr sz="2000"/>
+              <a:defRPr sz="5250"/>
             </a:lvl6pPr>
             <a:lvl7pPr>
-              <a:defRPr sz="2000"/>
+              <a:defRPr sz="5250"/>
             </a:lvl7pPr>
             <a:lvl8pPr>
-              <a:defRPr sz="2000"/>
+              <a:defRPr sz="5250"/>
             </a:lvl8pPr>
             <a:lvl9pPr>
-              <a:defRPr sz="2000"/>
+              <a:defRPr sz="5250"/>
             </a:lvl9pPr>
           </a:lstStyle>
           <a:p>
@@ -1995,8 +1995,8 @@
         </p:nvSpPr>
         <p:spPr>
           <a:xfrm>
-            <a:off x="839788" y="2057400"/>
-            <a:ext cx="3932237" cy="3811588"/>
+            <a:off x="3526643" y="5400045"/>
+            <a:ext cx="16513210" cy="10004250"/>
           </a:xfrm>
         </p:spPr>
         <p:txBody>
@@ -2004,39 +2004,39 @@
           <a:lstStyle>
             <a:lvl1pPr marL="0" indent="0">
               <a:buNone/>
-              <a:defRPr sz="1600"/>
+              <a:defRPr sz="4200"/>
             </a:lvl1pPr>
-            <a:lvl2pPr marL="457200" indent="0">
-              <a:buNone/>
-              <a:defRPr sz="1400"/>
+            <a:lvl2pPr marL="1200150" indent="0">
+              <a:buNone/>
+              <a:defRPr sz="3675"/>
             </a:lvl2pPr>
-            <a:lvl3pPr marL="914400" indent="0">
-              <a:buNone/>
-              <a:defRPr sz="1200"/>
+            <a:lvl3pPr marL="2400300" indent="0">
+              <a:buNone/>
+              <a:defRPr sz="3150"/>
             </a:lvl3pPr>
-            <a:lvl4pPr marL="1371600" indent="0">
-              <a:buNone/>
-              <a:defRPr sz="1000"/>
+            <a:lvl4pPr marL="3599815" indent="0">
+              <a:buNone/>
+              <a:defRPr sz="2625"/>
             </a:lvl4pPr>
-            <a:lvl5pPr marL="1828800" indent="0">
-              <a:buNone/>
-              <a:defRPr sz="1000"/>
+            <a:lvl5pPr marL="4799965" indent="0">
+              <a:buNone/>
+              <a:defRPr sz="2625"/>
             </a:lvl5pPr>
-            <a:lvl6pPr marL="2286000" indent="0">
-              <a:buNone/>
-              <a:defRPr sz="1000"/>
+            <a:lvl6pPr marL="6000115" indent="0">
+              <a:buNone/>
+              <a:defRPr sz="2625"/>
             </a:lvl6pPr>
-            <a:lvl7pPr marL="2743200" indent="0">
-              <a:buNone/>
-              <a:defRPr sz="1000"/>
+            <a:lvl7pPr marL="7200265" indent="0">
+              <a:buNone/>
+              <a:defRPr sz="2625"/>
             </a:lvl7pPr>
-            <a:lvl8pPr marL="3200400" indent="0">
-              <a:buNone/>
-              <a:defRPr sz="1000"/>
+            <a:lvl8pPr marL="8399780" indent="0">
+              <a:buNone/>
+              <a:defRPr sz="2625"/>
             </a:lvl8pPr>
-            <a:lvl9pPr marL="3657600" indent="0">
-              <a:buNone/>
-              <a:defRPr sz="1000"/>
+            <a:lvl9pPr marL="9599930" indent="0">
+              <a:buNone/>
+              <a:defRPr sz="2625"/>
             </a:lvl9pPr>
           </a:lstStyle>
           <a:p>
@@ -2149,15 +2149,15 @@
         </p:nvSpPr>
         <p:spPr>
           <a:xfrm>
-            <a:off x="839788" y="457200"/>
-            <a:ext cx="3932237" cy="1600200"/>
+            <a:off x="3526643" y="1200010"/>
+            <a:ext cx="16513210" cy="4200035"/>
           </a:xfrm>
         </p:spPr>
         <p:txBody>
           <a:bodyPr anchor="b"/>
           <a:lstStyle>
             <a:lvl1pPr>
-              <a:defRPr sz="3200"/>
+              <a:defRPr sz="8400"/>
             </a:lvl1pPr>
           </a:lstStyle>
           <a:p>
@@ -2181,8 +2181,8 @@
         </p:nvSpPr>
         <p:spPr>
           <a:xfrm>
-            <a:off x="5183188" y="987425"/>
-            <a:ext cx="6172200" cy="4873625"/>
+            <a:off x="21766509" y="2591688"/>
+            <a:ext cx="25919809" cy="12791772"/>
           </a:xfrm>
         </p:spPr>
         <p:txBody>
@@ -2190,39 +2190,39 @@
           <a:lstStyle>
             <a:lvl1pPr marL="0" indent="0">
               <a:buNone/>
-              <a:defRPr sz="3200"/>
+              <a:defRPr sz="8400"/>
             </a:lvl1pPr>
-            <a:lvl2pPr marL="457200" indent="0">
-              <a:buNone/>
-              <a:defRPr sz="2800"/>
+            <a:lvl2pPr marL="1200150" indent="0">
+              <a:buNone/>
+              <a:defRPr sz="7350"/>
             </a:lvl2pPr>
-            <a:lvl3pPr marL="914400" indent="0">
-              <a:buNone/>
-              <a:defRPr sz="2400"/>
+            <a:lvl3pPr marL="2400300" indent="0">
+              <a:buNone/>
+              <a:defRPr sz="6300"/>
             </a:lvl3pPr>
-            <a:lvl4pPr marL="1371600" indent="0">
-              <a:buNone/>
-              <a:defRPr sz="2000"/>
+            <a:lvl4pPr marL="3599815" indent="0">
+              <a:buNone/>
+              <a:defRPr sz="5250"/>
             </a:lvl4pPr>
-            <a:lvl5pPr marL="1828800" indent="0">
-              <a:buNone/>
-              <a:defRPr sz="2000"/>
+            <a:lvl5pPr marL="4799965" indent="0">
+              <a:buNone/>
+              <a:defRPr sz="5250"/>
             </a:lvl5pPr>
-            <a:lvl6pPr marL="2286000" indent="0">
-              <a:buNone/>
-              <a:defRPr sz="2000"/>
+            <a:lvl6pPr marL="6000115" indent="0">
+              <a:buNone/>
+              <a:defRPr sz="5250"/>
             </a:lvl6pPr>
-            <a:lvl7pPr marL="2743200" indent="0">
-              <a:buNone/>
-              <a:defRPr sz="2000"/>
+            <a:lvl7pPr marL="7200265" indent="0">
+              <a:buNone/>
+              <a:defRPr sz="5250"/>
             </a:lvl7pPr>
-            <a:lvl8pPr marL="3200400" indent="0">
-              <a:buNone/>
-              <a:defRPr sz="2000"/>
+            <a:lvl8pPr marL="8399780" indent="0">
+              <a:buNone/>
+              <a:defRPr sz="5250"/>
             </a:lvl8pPr>
-            <a:lvl9pPr marL="3657600" indent="0">
-              <a:buNone/>
-              <a:defRPr sz="2000"/>
+            <a:lvl9pPr marL="9599930" indent="0">
+              <a:buNone/>
+              <a:defRPr sz="5250"/>
             </a:lvl9pPr>
           </a:lstStyle>
           <a:p>
@@ -2242,8 +2242,8 @@
         </p:nvSpPr>
         <p:spPr>
           <a:xfrm>
-            <a:off x="839788" y="2057400"/>
-            <a:ext cx="3932237" cy="3811588"/>
+            <a:off x="3526643" y="5400045"/>
+            <a:ext cx="16513210" cy="10004250"/>
           </a:xfrm>
         </p:spPr>
         <p:txBody>
@@ -2251,39 +2251,39 @@
           <a:lstStyle>
             <a:lvl1pPr marL="0" indent="0">
               <a:buNone/>
-              <a:defRPr sz="1600"/>
+              <a:defRPr sz="4200"/>
             </a:lvl1pPr>
-            <a:lvl2pPr marL="457200" indent="0">
-              <a:buNone/>
-              <a:defRPr sz="1400"/>
+            <a:lvl2pPr marL="1200150" indent="0">
+              <a:buNone/>
+              <a:defRPr sz="3675"/>
             </a:lvl2pPr>
-            <a:lvl3pPr marL="914400" indent="0">
-              <a:buNone/>
-              <a:defRPr sz="1200"/>
+            <a:lvl3pPr marL="2400300" indent="0">
+              <a:buNone/>
+              <a:defRPr sz="3150"/>
             </a:lvl3pPr>
-            <a:lvl4pPr marL="1371600" indent="0">
-              <a:buNone/>
-              <a:defRPr sz="1000"/>
+            <a:lvl4pPr marL="3599815" indent="0">
+              <a:buNone/>
+              <a:defRPr sz="2625"/>
             </a:lvl4pPr>
-            <a:lvl5pPr marL="1828800" indent="0">
-              <a:buNone/>
-              <a:defRPr sz="1000"/>
+            <a:lvl5pPr marL="4799965" indent="0">
+              <a:buNone/>
+              <a:defRPr sz="2625"/>
             </a:lvl5pPr>
-            <a:lvl6pPr marL="2286000" indent="0">
-              <a:buNone/>
-              <a:defRPr sz="1000"/>
+            <a:lvl6pPr marL="6000115" indent="0">
+              <a:buNone/>
+              <a:defRPr sz="2625"/>
             </a:lvl6pPr>
-            <a:lvl7pPr marL="2743200" indent="0">
-              <a:buNone/>
-              <a:defRPr sz="1000"/>
+            <a:lvl7pPr marL="7200265" indent="0">
+              <a:buNone/>
+              <a:defRPr sz="2625"/>
             </a:lvl7pPr>
-            <a:lvl8pPr marL="3200400" indent="0">
-              <a:buNone/>
-              <a:defRPr sz="1000"/>
+            <a:lvl8pPr marL="8399780" indent="0">
+              <a:buNone/>
+              <a:defRPr sz="2625"/>
             </a:lvl8pPr>
-            <a:lvl9pPr marL="3657600" indent="0">
-              <a:buNone/>
-              <a:defRPr sz="1000"/>
+            <a:lvl9pPr marL="9599930" indent="0">
+              <a:buNone/>
+              <a:defRPr sz="2625"/>
             </a:lvl9pPr>
           </a:lstStyle>
           <a:p>
@@ -2401,8 +2401,8 @@
         </p:nvSpPr>
         <p:spPr>
           <a:xfrm>
-            <a:off x="838200" y="365125"/>
-            <a:ext cx="10515600" cy="1325563"/>
+            <a:off x="3519974" y="958341"/>
+            <a:ext cx="44159675" cy="3479197"/>
           </a:xfrm>
           <a:prstGeom prst="rect">
             <a:avLst/>
@@ -2434,8 +2434,8 @@
         </p:nvSpPr>
         <p:spPr>
           <a:xfrm>
-            <a:off x="838200" y="1825625"/>
-            <a:ext cx="10515600" cy="4351338"/>
+            <a:off x="3519974" y="4791706"/>
+            <a:ext cx="44159675" cy="11420929"/>
           </a:xfrm>
           <a:prstGeom prst="rect">
             <a:avLst/>
@@ -2500,8 +2500,8 @@
         </p:nvSpPr>
         <p:spPr>
           <a:xfrm>
-            <a:off x="838200" y="6356350"/>
-            <a:ext cx="2743200" cy="365125"/>
+            <a:off x="3519974" y="16683471"/>
+            <a:ext cx="11519915" cy="958341"/>
           </a:xfrm>
           <a:prstGeom prst="rect">
             <a:avLst/>
@@ -2511,7 +2511,7 @@
           <a:bodyPr vert="horz" lIns="91440" tIns="45720" rIns="91440" bIns="45720" rtlCol="0" anchor="ctr"/>
           <a:lstStyle>
             <a:lvl1pPr algn="l">
-              <a:defRPr sz="1200">
+              <a:defRPr sz="3150">
                 <a:solidFill>
                   <a:schemeClr val="tx1">
                     <a:tint val="75000"/>
@@ -2540,8 +2540,8 @@
         </p:nvSpPr>
         <p:spPr>
           <a:xfrm>
-            <a:off x="4038600" y="6356350"/>
-            <a:ext cx="4114800" cy="365125"/>
+            <a:off x="16959875" y="16683471"/>
+            <a:ext cx="17279873" cy="958341"/>
           </a:xfrm>
           <a:prstGeom prst="rect">
             <a:avLst/>
@@ -2551,7 +2551,7 @@
           <a:bodyPr vert="horz" lIns="91440" tIns="45720" rIns="91440" bIns="45720" rtlCol="0" anchor="ctr"/>
           <a:lstStyle>
             <a:lvl1pPr algn="ctr">
-              <a:defRPr sz="1200">
+              <a:defRPr sz="3150">
                 <a:solidFill>
                   <a:schemeClr val="tx1">
                     <a:tint val="75000"/>
@@ -2577,8 +2577,8 @@
         </p:nvSpPr>
         <p:spPr>
           <a:xfrm>
-            <a:off x="8610600" y="6356350"/>
-            <a:ext cx="2743200" cy="365125"/>
+            <a:off x="36159734" y="16683471"/>
+            <a:ext cx="11519915" cy="958341"/>
           </a:xfrm>
           <a:prstGeom prst="rect">
             <a:avLst/>
@@ -2588,7 +2588,7 @@
           <a:bodyPr vert="horz" lIns="91440" tIns="45720" rIns="91440" bIns="45720" rtlCol="0" anchor="ctr"/>
           <a:lstStyle>
             <a:lvl1pPr algn="r">
-              <a:defRPr sz="1200">
+              <a:defRPr sz="3150">
                 <a:solidFill>
                   <a:schemeClr val="tx1">
                     <a:tint val="75000"/>
@@ -2623,7 +2623,7 @@
   </p:sldLayoutIdLst>
   <p:txStyles>
     <p:titleStyle>
-      <a:lvl1pPr algn="l" defTabSz="914400" rtl="0" eaLnBrk="1" latinLnBrk="0" hangingPunct="1">
+      <a:lvl1pPr algn="l" defTabSz="2400300" rtl="0" eaLnBrk="1" latinLnBrk="0" hangingPunct="1">
         <a:lnSpc>
           <a:spcPct val="90000"/>
         </a:lnSpc>
@@ -2631,7 +2631,7 @@
           <a:spcPct val="0"/>
         </a:spcBef>
         <a:buNone/>
-        <a:defRPr sz="4400" kern="1200">
+        <a:defRPr sz="11550" kern="1200">
           <a:solidFill>
             <a:schemeClr val="tx1"/>
           </a:solidFill>
@@ -2642,16 +2642,16 @@
       </a:lvl1pPr>
     </p:titleStyle>
     <p:bodyStyle>
-      <a:lvl1pPr marL="228600" indent="-228600" algn="l" defTabSz="914400" rtl="0" eaLnBrk="1" latinLnBrk="0" hangingPunct="1">
+      <a:lvl1pPr marL="600075" indent="-600075" algn="l" defTabSz="2400300" rtl="0" eaLnBrk="1" latinLnBrk="0" hangingPunct="1">
         <a:lnSpc>
           <a:spcPct val="90000"/>
         </a:lnSpc>
         <a:spcBef>
-          <a:spcPts val="1000"/>
+          <a:spcPct val="526000"/>
         </a:spcBef>
         <a:buFont typeface="Arial" panose="020B0604020202020204" pitchFamily="34" charset="0"/>
         <a:buChar char="•"/>
-        <a:defRPr sz="2800" kern="1200">
+        <a:defRPr sz="7350" kern="1200">
           <a:solidFill>
             <a:schemeClr val="tx1"/>
           </a:solidFill>
@@ -2660,16 +2660,16 @@
           <a:cs typeface="+mn-cs"/>
         </a:defRPr>
       </a:lvl1pPr>
-      <a:lvl2pPr marL="685800" indent="-228600" algn="l" defTabSz="914400" rtl="0" eaLnBrk="1" latinLnBrk="0" hangingPunct="1">
+      <a:lvl2pPr marL="1800225" indent="-600075" algn="l" defTabSz="2400300" rtl="0" eaLnBrk="1" latinLnBrk="0" hangingPunct="1">
         <a:lnSpc>
           <a:spcPct val="90000"/>
         </a:lnSpc>
         <a:spcBef>
-          <a:spcPts val="500"/>
+          <a:spcPts val="1315"/>
         </a:spcBef>
         <a:buFont typeface="Arial" panose="020B0604020202020204" pitchFamily="34" charset="0"/>
         <a:buChar char="•"/>
-        <a:defRPr sz="2400" kern="1200">
+        <a:defRPr sz="6300" kern="1200">
           <a:solidFill>
             <a:schemeClr val="tx1"/>
           </a:solidFill>
@@ -2678,16 +2678,16 @@
           <a:cs typeface="+mn-cs"/>
         </a:defRPr>
       </a:lvl2pPr>
-      <a:lvl3pPr marL="1143000" indent="-228600" algn="l" defTabSz="914400" rtl="0" eaLnBrk="1" latinLnBrk="0" hangingPunct="1">
+      <a:lvl3pPr marL="3000375" indent="-600075" algn="l" defTabSz="2400300" rtl="0" eaLnBrk="1" latinLnBrk="0" hangingPunct="1">
         <a:lnSpc>
           <a:spcPct val="90000"/>
         </a:lnSpc>
         <a:spcBef>
-          <a:spcPts val="500"/>
+          <a:spcPts val="1315"/>
         </a:spcBef>
         <a:buFont typeface="Arial" panose="020B0604020202020204" pitchFamily="34" charset="0"/>
         <a:buChar char="•"/>
-        <a:defRPr sz="2000" kern="1200">
+        <a:defRPr sz="5250" kern="1200">
           <a:solidFill>
             <a:schemeClr val="tx1"/>
           </a:solidFill>
@@ -2696,16 +2696,16 @@
           <a:cs typeface="+mn-cs"/>
         </a:defRPr>
       </a:lvl3pPr>
-      <a:lvl4pPr marL="1600200" indent="-228600" algn="l" defTabSz="914400" rtl="0" eaLnBrk="1" latinLnBrk="0" hangingPunct="1">
+      <a:lvl4pPr marL="4199890" indent="-600075" algn="l" defTabSz="2400300" rtl="0" eaLnBrk="1" latinLnBrk="0" hangingPunct="1">
         <a:lnSpc>
           <a:spcPct val="90000"/>
         </a:lnSpc>
         <a:spcBef>
-          <a:spcPts val="500"/>
+          <a:spcPts val="1315"/>
         </a:spcBef>
         <a:buFont typeface="Arial" panose="020B0604020202020204" pitchFamily="34" charset="0"/>
         <a:buChar char="•"/>
-        <a:defRPr sz="1800" kern="1200">
+        <a:defRPr sz="4725" kern="1200">
           <a:solidFill>
             <a:schemeClr val="tx1"/>
           </a:solidFill>
@@ -2714,16 +2714,16 @@
           <a:cs typeface="+mn-cs"/>
         </a:defRPr>
       </a:lvl4pPr>
-      <a:lvl5pPr marL="2057400" indent="-228600" algn="l" defTabSz="914400" rtl="0" eaLnBrk="1" latinLnBrk="0" hangingPunct="1">
+      <a:lvl5pPr marL="5400040" indent="-600075" algn="l" defTabSz="2400300" rtl="0" eaLnBrk="1" latinLnBrk="0" hangingPunct="1">
         <a:lnSpc>
           <a:spcPct val="90000"/>
         </a:lnSpc>
         <a:spcBef>
-          <a:spcPts val="500"/>
+          <a:spcPts val="1315"/>
         </a:spcBef>
         <a:buFont typeface="Arial" panose="020B0604020202020204" pitchFamily="34" charset="0"/>
         <a:buChar char="•"/>
-        <a:defRPr sz="1800" kern="1200">
+        <a:defRPr sz="4725" kern="1200">
           <a:solidFill>
             <a:schemeClr val="tx1"/>
           </a:solidFill>
@@ -2732,16 +2732,16 @@
           <a:cs typeface="+mn-cs"/>
         </a:defRPr>
       </a:lvl5pPr>
-      <a:lvl6pPr marL="2514600" indent="-228600" algn="l" defTabSz="914400" rtl="0" eaLnBrk="1" latinLnBrk="0" hangingPunct="1">
+      <a:lvl6pPr marL="6600190" indent="-600075" algn="l" defTabSz="2400300" rtl="0" eaLnBrk="1" latinLnBrk="0" hangingPunct="1">
         <a:lnSpc>
           <a:spcPct val="90000"/>
         </a:lnSpc>
         <a:spcBef>
-          <a:spcPts val="500"/>
+          <a:spcPts val="1315"/>
         </a:spcBef>
         <a:buFont typeface="Arial" panose="020B0604020202020204" pitchFamily="34" charset="0"/>
         <a:buChar char="•"/>
-        <a:defRPr sz="1800" kern="1200">
+        <a:defRPr sz="4725" kern="1200">
           <a:solidFill>
             <a:schemeClr val="tx1"/>
           </a:solidFill>
@@ -2750,16 +2750,16 @@
           <a:cs typeface="+mn-cs"/>
         </a:defRPr>
       </a:lvl6pPr>
-      <a:lvl7pPr marL="2971800" indent="-228600" algn="l" defTabSz="914400" rtl="0" eaLnBrk="1" latinLnBrk="0" hangingPunct="1">
+      <a:lvl7pPr marL="7799705" indent="-600075" algn="l" defTabSz="2400300" rtl="0" eaLnBrk="1" latinLnBrk="0" hangingPunct="1">
         <a:lnSpc>
           <a:spcPct val="90000"/>
         </a:lnSpc>
         <a:spcBef>
-          <a:spcPts val="500"/>
+          <a:spcPts val="1315"/>
         </a:spcBef>
         <a:buFont typeface="Arial" panose="020B0604020202020204" pitchFamily="34" charset="0"/>
         <a:buChar char="•"/>
-        <a:defRPr sz="1800" kern="1200">
+        <a:defRPr sz="4725" kern="1200">
           <a:solidFill>
             <a:schemeClr val="tx1"/>
           </a:solidFill>
@@ -2768,16 +2768,16 @@
           <a:cs typeface="+mn-cs"/>
         </a:defRPr>
       </a:lvl7pPr>
-      <a:lvl8pPr marL="3429000" indent="-228600" algn="l" defTabSz="914400" rtl="0" eaLnBrk="1" latinLnBrk="0" hangingPunct="1">
+      <a:lvl8pPr marL="8999855" indent="-600075" algn="l" defTabSz="2400300" rtl="0" eaLnBrk="1" latinLnBrk="0" hangingPunct="1">
         <a:lnSpc>
           <a:spcPct val="90000"/>
         </a:lnSpc>
         <a:spcBef>
-          <a:spcPts val="500"/>
+          <a:spcPts val="1315"/>
         </a:spcBef>
         <a:buFont typeface="Arial" panose="020B0604020202020204" pitchFamily="34" charset="0"/>
         <a:buChar char="•"/>
-        <a:defRPr sz="1800" kern="1200">
+        <a:defRPr sz="4725" kern="1200">
           <a:solidFill>
             <a:schemeClr val="tx1"/>
           </a:solidFill>
@@ -2786,16 +2786,16 @@
           <a:cs typeface="+mn-cs"/>
         </a:defRPr>
       </a:lvl8pPr>
-      <a:lvl9pPr marL="3886200" indent="-228600" algn="l" defTabSz="914400" rtl="0" eaLnBrk="1" latinLnBrk="0" hangingPunct="1">
+      <a:lvl9pPr marL="10200005" indent="-600075" algn="l" defTabSz="2400300" rtl="0" eaLnBrk="1" latinLnBrk="0" hangingPunct="1">
         <a:lnSpc>
           <a:spcPct val="90000"/>
         </a:lnSpc>
         <a:spcBef>
-          <a:spcPts val="500"/>
+          <a:spcPts val="1315"/>
         </a:spcBef>
         <a:buFont typeface="Arial" panose="020B0604020202020204" pitchFamily="34" charset="0"/>
         <a:buChar char="•"/>
-        <a:defRPr sz="1800" kern="1200">
+        <a:defRPr sz="4725" kern="1200">
           <a:solidFill>
             <a:schemeClr val="tx1"/>
           </a:solidFill>
@@ -2809,8 +2809,8 @@
       <a:defPPr>
         <a:defRPr lang="zh-CN"/>
       </a:defPPr>
-      <a:lvl1pPr marL="0" algn="l" defTabSz="914400" rtl="0" eaLnBrk="1" latinLnBrk="0" hangingPunct="1">
-        <a:defRPr sz="1800" kern="1200">
+      <a:lvl1pPr marL="0" algn="l" defTabSz="2400300" rtl="0" eaLnBrk="1" latinLnBrk="0" hangingPunct="1">
+        <a:defRPr sz="4725" kern="1200">
           <a:solidFill>
             <a:schemeClr val="tx1"/>
           </a:solidFill>
@@ -2819,8 +2819,8 @@
           <a:cs typeface="+mn-cs"/>
         </a:defRPr>
       </a:lvl1pPr>
-      <a:lvl2pPr marL="457200" algn="l" defTabSz="914400" rtl="0" eaLnBrk="1" latinLnBrk="0" hangingPunct="1">
-        <a:defRPr sz="1800" kern="1200">
+      <a:lvl2pPr marL="1200150" algn="l" defTabSz="2400300" rtl="0" eaLnBrk="1" latinLnBrk="0" hangingPunct="1">
+        <a:defRPr sz="4725" kern="1200">
           <a:solidFill>
             <a:schemeClr val="tx1"/>
           </a:solidFill>
@@ -2829,8 +2829,8 @@
           <a:cs typeface="+mn-cs"/>
         </a:defRPr>
       </a:lvl2pPr>
-      <a:lvl3pPr marL="914400" algn="l" defTabSz="914400" rtl="0" eaLnBrk="1" latinLnBrk="0" hangingPunct="1">
-        <a:defRPr sz="1800" kern="1200">
+      <a:lvl3pPr marL="2400300" algn="l" defTabSz="2400300" rtl="0" eaLnBrk="1" latinLnBrk="0" hangingPunct="1">
+        <a:defRPr sz="4725" kern="1200">
           <a:solidFill>
             <a:schemeClr val="tx1"/>
           </a:solidFill>
@@ -2839,8 +2839,8 @@
           <a:cs typeface="+mn-cs"/>
         </a:defRPr>
       </a:lvl3pPr>
-      <a:lvl4pPr marL="1371600" algn="l" defTabSz="914400" rtl="0" eaLnBrk="1" latinLnBrk="0" hangingPunct="1">
-        <a:defRPr sz="1800" kern="1200">
+      <a:lvl4pPr marL="3599815" algn="l" defTabSz="2400300" rtl="0" eaLnBrk="1" latinLnBrk="0" hangingPunct="1">
+        <a:defRPr sz="4725" kern="1200">
           <a:solidFill>
             <a:schemeClr val="tx1"/>
           </a:solidFill>
@@ -2849,8 +2849,8 @@
           <a:cs typeface="+mn-cs"/>
         </a:defRPr>
       </a:lvl4pPr>
-      <a:lvl5pPr marL="1828800" algn="l" defTabSz="914400" rtl="0" eaLnBrk="1" latinLnBrk="0" hangingPunct="1">
-        <a:defRPr sz="1800" kern="1200">
+      <a:lvl5pPr marL="4799965" algn="l" defTabSz="2400300" rtl="0" eaLnBrk="1" latinLnBrk="0" hangingPunct="1">
+        <a:defRPr sz="4725" kern="1200">
           <a:solidFill>
             <a:schemeClr val="tx1"/>
           </a:solidFill>
@@ -2859,8 +2859,8 @@
           <a:cs typeface="+mn-cs"/>
         </a:defRPr>
       </a:lvl5pPr>
-      <a:lvl6pPr marL="2286000" algn="l" defTabSz="914400" rtl="0" eaLnBrk="1" latinLnBrk="0" hangingPunct="1">
-        <a:defRPr sz="1800" kern="1200">
+      <a:lvl6pPr marL="6000115" algn="l" defTabSz="2400300" rtl="0" eaLnBrk="1" latinLnBrk="0" hangingPunct="1">
+        <a:defRPr sz="4725" kern="1200">
           <a:solidFill>
             <a:schemeClr val="tx1"/>
           </a:solidFill>
@@ -2869,8 +2869,8 @@
           <a:cs typeface="+mn-cs"/>
         </a:defRPr>
       </a:lvl6pPr>
-      <a:lvl7pPr marL="2743200" algn="l" defTabSz="914400" rtl="0" eaLnBrk="1" latinLnBrk="0" hangingPunct="1">
-        <a:defRPr sz="1800" kern="1200">
+      <a:lvl7pPr marL="7200265" algn="l" defTabSz="2400300" rtl="0" eaLnBrk="1" latinLnBrk="0" hangingPunct="1">
+        <a:defRPr sz="4725" kern="1200">
           <a:solidFill>
             <a:schemeClr val="tx1"/>
           </a:solidFill>
@@ -2879,8 +2879,8 @@
           <a:cs typeface="+mn-cs"/>
         </a:defRPr>
       </a:lvl7pPr>
-      <a:lvl8pPr marL="3200400" algn="l" defTabSz="914400" rtl="0" eaLnBrk="1" latinLnBrk="0" hangingPunct="1">
-        <a:defRPr sz="1800" kern="1200">
+      <a:lvl8pPr marL="8399780" algn="l" defTabSz="2400300" rtl="0" eaLnBrk="1" latinLnBrk="0" hangingPunct="1">
+        <a:defRPr sz="4725" kern="1200">
           <a:solidFill>
             <a:schemeClr val="tx1"/>
           </a:solidFill>
@@ -2889,8 +2889,8 @@
           <a:cs typeface="+mn-cs"/>
         </a:defRPr>
       </a:lvl8pPr>
-      <a:lvl9pPr marL="3657600" algn="l" defTabSz="914400" rtl="0" eaLnBrk="1" latinLnBrk="0" hangingPunct="1">
-        <a:defRPr sz="1800" kern="1200">
+      <a:lvl9pPr marL="9599930" algn="l" defTabSz="2400300" rtl="0" eaLnBrk="1" latinLnBrk="0" hangingPunct="1">
+        <a:defRPr sz="4725" kern="1200">
           <a:solidFill>
             <a:schemeClr val="tx1"/>
           </a:solidFill>
@@ -2922,8 +2922,8 @@
         </p:nvSpPr>
         <p:spPr>
           <a:xfrm>
-            <a:off x="890270" y="2291715"/>
-            <a:ext cx="1239520" cy="1740535"/>
+            <a:off x="17913987" y="6076925"/>
+            <a:ext cx="1830015" cy="4989416"/>
           </a:xfrm>
           <a:prstGeom prst="rect">
             <a:avLst/>
@@ -2931,15 +2931,15 @@
         </p:spPr>
         <p:style>
           <a:lnRef idx="2">
-            <a:schemeClr val="accent1">
+            <a:schemeClr val="accent6">
               <a:shade val="50000"/>
             </a:schemeClr>
           </a:lnRef>
           <a:fillRef idx="1">
-            <a:schemeClr val="accent1"/>
+            <a:schemeClr val="accent6"/>
           </a:fillRef>
           <a:effectRef idx="0">
-            <a:schemeClr val="accent1"/>
+            <a:schemeClr val="accent6"/>
           </a:effectRef>
           <a:fontRef idx="minor">
             <a:schemeClr val="lt1"/>
@@ -2950,13 +2950,13 @@
           <a:p>
             <a:pPr algn="ctr"/>
             <a:r>
-              <a:rPr lang="zh-CN" altLang="en-US" sz="1600">
+              <a:rPr lang="zh-CN" altLang="en-US" sz="3600" b="1">
                 <a:latin typeface="微软雅黑" panose="020B0503020204020204" charset="-122"/>
                 <a:ea typeface="微软雅黑" panose="020B0503020204020204" charset="-122"/>
               </a:rPr>
               <a:t>服务端</a:t>
             </a:r>
-            <a:endParaRPr lang="zh-CN" altLang="en-US" sz="1600">
+            <a:endParaRPr lang="zh-CN" altLang="en-US" sz="3600" b="1">
               <a:latin typeface="微软雅黑" panose="020B0503020204020204" charset="-122"/>
               <a:ea typeface="微软雅黑" panose="020B0503020204020204" charset="-122"/>
             </a:endParaRPr>
@@ -2971,8 +2971,8 @@
         </p:nvSpPr>
         <p:spPr>
           <a:xfrm>
-            <a:off x="9872345" y="2311400"/>
-            <a:ext cx="1149350" cy="1720850"/>
+            <a:off x="31175033" y="6068488"/>
+            <a:ext cx="1696889" cy="4996916"/>
           </a:xfrm>
           <a:prstGeom prst="rect">
             <a:avLst/>
@@ -2980,15 +2980,15 @@
         </p:spPr>
         <p:style>
           <a:lnRef idx="2">
-            <a:schemeClr val="accent1">
+            <a:schemeClr val="accent5">
               <a:shade val="50000"/>
             </a:schemeClr>
           </a:lnRef>
           <a:fillRef idx="1">
-            <a:schemeClr val="accent1"/>
+            <a:schemeClr val="accent5"/>
           </a:fillRef>
           <a:effectRef idx="0">
-            <a:schemeClr val="accent1"/>
+            <a:schemeClr val="accent5"/>
           </a:effectRef>
           <a:fontRef idx="minor">
             <a:schemeClr val="lt1"/>
@@ -2999,13 +2999,13 @@
           <a:p>
             <a:pPr algn="ctr"/>
             <a:r>
-              <a:rPr lang="zh-CN" altLang="en-US" sz="1600">
+              <a:rPr lang="zh-CN" altLang="en-US" sz="3600" b="1">
                 <a:latin typeface="微软雅黑" panose="020B0503020204020204" charset="-122"/>
                 <a:ea typeface="微软雅黑" panose="020B0503020204020204" charset="-122"/>
               </a:rPr>
               <a:t>客服端</a:t>
             </a:r>
-            <a:endParaRPr lang="zh-CN" altLang="en-US" sz="1600">
+            <a:endParaRPr lang="zh-CN" altLang="en-US" sz="3600" b="1">
               <a:latin typeface="微软雅黑" panose="020B0503020204020204" charset="-122"/>
               <a:ea typeface="微软雅黑" panose="020B0503020204020204" charset="-122"/>
             </a:endParaRPr>
@@ -3023,12 +3023,12 @@
         </p:nvCxnSpPr>
         <p:spPr>
           <a:xfrm rot="16200000" flipH="1">
-            <a:off x="1397318" y="2417128"/>
-            <a:ext cx="870585" cy="619760"/>
+            <a:off x="18039144" y="6866775"/>
+            <a:ext cx="2494708" cy="915008"/>
           </a:xfrm>
           <a:prstGeom prst="bentConnector4">
             <a:avLst>
-              <a:gd name="adj1" fmla="val -27389"/>
+              <a:gd name="adj1" fmla="val -14111"/>
               <a:gd name="adj2" fmla="val 138371"/>
             </a:avLst>
           </a:prstGeom>
@@ -3059,8 +3059,8 @@
         </p:nvSpPr>
         <p:spPr>
           <a:xfrm>
-            <a:off x="2334895" y="1804035"/>
-            <a:ext cx="3916680" cy="583565"/>
+            <a:off x="20186505" y="5735672"/>
+            <a:ext cx="5782548" cy="819785"/>
           </a:xfrm>
           <a:prstGeom prst="rect">
             <a:avLst/>
@@ -3073,7 +3073,7 @@
           </a:bodyPr>
           <a:p>
             <a:r>
-              <a:rPr lang="en-US" altLang="zh-CN" sz="1600">
+              <a:rPr lang="en-US" altLang="zh-CN" sz="2365" b="1">
                 <a:latin typeface="微软雅黑" panose="020B0503020204020204" charset="-122"/>
                 <a:ea typeface="微软雅黑" panose="020B0503020204020204" charset="-122"/>
                 <a:cs typeface="微软雅黑" panose="020B0503020204020204" charset="-122"/>
@@ -3082,7 +3082,7 @@
               <a:t>1.</a:t>
             </a:r>
             <a:r>
-              <a:rPr lang="zh-CN" altLang="en-US" sz="1600">
+              <a:rPr lang="zh-CN" altLang="en-US" sz="2365" b="1">
                 <a:latin typeface="微软雅黑" panose="020B0503020204020204" charset="-122"/>
                 <a:ea typeface="微软雅黑" panose="020B0503020204020204" charset="-122"/>
                 <a:cs typeface="微软雅黑" panose="020B0503020204020204" charset="-122"/>
@@ -3091,7 +3091,7 @@
               <a:t>根据同步目录，通过</a:t>
             </a:r>
             <a:r>
-              <a:rPr lang="en-US" altLang="zh-CN" sz="1600">
+              <a:rPr lang="en-US" altLang="zh-CN" sz="2365" b="1">
                 <a:latin typeface="微软雅黑" panose="020B0503020204020204" charset="-122"/>
                 <a:ea typeface="微软雅黑" panose="020B0503020204020204" charset="-122"/>
                 <a:cs typeface="微软雅黑" panose="020B0503020204020204" charset="-122"/>
@@ -3100,7 +3100,7 @@
               <a:t>rysnc</a:t>
             </a:r>
             <a:r>
-              <a:rPr lang="zh-CN" altLang="en-US" sz="1600">
+              <a:rPr lang="zh-CN" altLang="en-US" sz="2365" b="1">
                 <a:latin typeface="微软雅黑" panose="020B0503020204020204" charset="-122"/>
                 <a:ea typeface="微软雅黑" panose="020B0503020204020204" charset="-122"/>
                 <a:cs typeface="微软雅黑" panose="020B0503020204020204" charset="-122"/>
@@ -3108,7 +3108,7 @@
               </a:rPr>
               <a:t>算法</a:t>
             </a:r>
-            <a:endParaRPr lang="zh-CN" altLang="en-US" sz="1600">
+            <a:endParaRPr lang="zh-CN" altLang="en-US" sz="2365" b="1">
               <a:latin typeface="微软雅黑" panose="020B0503020204020204" charset="-122"/>
               <a:ea typeface="微软雅黑" panose="020B0503020204020204" charset="-122"/>
               <a:cs typeface="微软雅黑" panose="020B0503020204020204" charset="-122"/>
@@ -3117,7 +3117,7 @@
           </a:p>
           <a:p>
             <a:r>
-              <a:rPr lang="zh-CN" altLang="en-US" sz="1600">
+              <a:rPr lang="zh-CN" altLang="en-US" sz="2365" b="1">
                 <a:latin typeface="微软雅黑" panose="020B0503020204020204" charset="-122"/>
                 <a:ea typeface="微软雅黑" panose="020B0503020204020204" charset="-122"/>
                 <a:cs typeface="微软雅黑" panose="020B0503020204020204" charset="-122"/>
@@ -3126,7 +3126,7 @@
               <a:t>生成</a:t>
             </a:r>
             <a:r>
-              <a:rPr lang="en-US" altLang="zh-CN" sz="1600">
+              <a:rPr lang="en-US" altLang="zh-CN" sz="2365" b="1">
                 <a:latin typeface="微软雅黑" panose="020B0503020204020204" charset="-122"/>
                 <a:ea typeface="微软雅黑" panose="020B0503020204020204" charset="-122"/>
                 <a:cs typeface="微软雅黑" panose="020B0503020204020204" charset="-122"/>
@@ -3135,7 +3135,7 @@
               <a:t>FileCheckSum</a:t>
             </a:r>
             <a:r>
-              <a:rPr lang="zh-CN" altLang="en-US" sz="1600">
+              <a:rPr lang="zh-CN" altLang="en-US" sz="2365" b="1">
                 <a:latin typeface="微软雅黑" panose="020B0503020204020204" charset="-122"/>
                 <a:ea typeface="微软雅黑" panose="020B0503020204020204" charset="-122"/>
                 <a:cs typeface="微软雅黑" panose="020B0503020204020204" charset="-122"/>
@@ -3143,7 +3143,7 @@
               </a:rPr>
               <a:t>集</a:t>
             </a:r>
-            <a:endParaRPr lang="zh-CN" altLang="en-US" sz="1600">
+            <a:endParaRPr lang="zh-CN" altLang="en-US" sz="2365" b="1">
               <a:latin typeface="微软雅黑" panose="020B0503020204020204" charset="-122"/>
               <a:ea typeface="微软雅黑" panose="020B0503020204020204" charset="-122"/>
               <a:cs typeface="微软雅黑" panose="020B0503020204020204" charset="-122"/>
@@ -3160,8 +3160,8 @@
         </p:nvCxnSpPr>
         <p:spPr>
           <a:xfrm>
-            <a:off x="2129790" y="3009900"/>
-            <a:ext cx="7742555" cy="9525"/>
+            <a:off x="19744002" y="8381319"/>
+            <a:ext cx="11431032" cy="14063"/>
           </a:xfrm>
           <a:prstGeom prst="straightConnector1">
             <a:avLst/>
@@ -3193,8 +3193,8 @@
         </p:nvSpPr>
         <p:spPr>
           <a:xfrm>
-            <a:off x="3141980" y="2531745"/>
-            <a:ext cx="5269865" cy="337185"/>
+            <a:off x="21253389" y="7768189"/>
+            <a:ext cx="7780377" cy="455295"/>
           </a:xfrm>
           <a:prstGeom prst="rect">
             <a:avLst/>
@@ -3207,7 +3207,7 @@
           </a:bodyPr>
           <a:p>
             <a:r>
-              <a:rPr lang="en-US" altLang="zh-CN" sz="1600">
+              <a:rPr lang="en-US" altLang="zh-CN" sz="2365" b="1">
                 <a:latin typeface="微软雅黑" panose="020B0503020204020204" charset="-122"/>
                 <a:ea typeface="微软雅黑" panose="020B0503020204020204" charset="-122"/>
                 <a:cs typeface="微软雅黑" panose="020B0503020204020204" charset="-122"/>
@@ -3216,7 +3216,7 @@
               <a:t>2.</a:t>
             </a:r>
             <a:r>
-              <a:rPr lang="zh-CN" sz="1600">
+              <a:rPr lang="zh-CN" sz="2365" b="1">
                 <a:latin typeface="微软雅黑" panose="020B0503020204020204" charset="-122"/>
                 <a:ea typeface="微软雅黑" panose="020B0503020204020204" charset="-122"/>
                 <a:cs typeface="微软雅黑" panose="020B0503020204020204" charset="-122"/>
@@ -3225,7 +3225,7 @@
               <a:t>通过</a:t>
             </a:r>
             <a:r>
-              <a:rPr lang="en-US" altLang="zh-CN" sz="1600">
+              <a:rPr lang="en-US" altLang="zh-CN" sz="2365" b="1">
                 <a:latin typeface="微软雅黑" panose="020B0503020204020204" charset="-122"/>
                 <a:ea typeface="微软雅黑" panose="020B0503020204020204" charset="-122"/>
                 <a:cs typeface="微软雅黑" panose="020B0503020204020204" charset="-122"/>
@@ -3234,7 +3234,7 @@
               <a:t>Socket</a:t>
             </a:r>
             <a:r>
-              <a:rPr lang="zh-CN" altLang="en-US" sz="1600">
+              <a:rPr lang="zh-CN" altLang="en-US" sz="2365" b="1">
                 <a:latin typeface="微软雅黑" panose="020B0503020204020204" charset="-122"/>
                 <a:ea typeface="微软雅黑" panose="020B0503020204020204" charset="-122"/>
                 <a:cs typeface="微软雅黑" panose="020B0503020204020204" charset="-122"/>
@@ -3243,7 +3243,7 @@
               <a:t>通信，将</a:t>
             </a:r>
             <a:r>
-              <a:rPr lang="en-US" altLang="zh-CN" sz="1600">
+              <a:rPr lang="en-US" altLang="zh-CN" sz="2365" b="1">
                 <a:latin typeface="微软雅黑" panose="020B0503020204020204" charset="-122"/>
                 <a:ea typeface="微软雅黑" panose="020B0503020204020204" charset="-122"/>
                 <a:cs typeface="微软雅黑" panose="020B0503020204020204" charset="-122"/>
@@ -3252,7 +3252,7 @@
               <a:t>FileCheckSum</a:t>
             </a:r>
             <a:r>
-              <a:rPr lang="zh-CN" altLang="en-US" sz="1600">
+              <a:rPr lang="zh-CN" altLang="en-US" sz="2365" b="1">
                 <a:latin typeface="微软雅黑" panose="020B0503020204020204" charset="-122"/>
                 <a:ea typeface="微软雅黑" panose="020B0503020204020204" charset="-122"/>
                 <a:cs typeface="微软雅黑" panose="020B0503020204020204" charset="-122"/>
@@ -3260,7 +3260,7 @@
               </a:rPr>
               <a:t>集信息传给客服端</a:t>
             </a:r>
-            <a:endParaRPr lang="zh-CN" altLang="en-US" sz="1600">
+            <a:endParaRPr lang="zh-CN" altLang="en-US" sz="2365" b="1">
               <a:latin typeface="微软雅黑" panose="020B0503020204020204" charset="-122"/>
               <a:ea typeface="微软雅黑" panose="020B0503020204020204" charset="-122"/>
               <a:cs typeface="微软雅黑" panose="020B0503020204020204" charset="-122"/>
@@ -3277,8 +3277,8 @@
         </p:nvSpPr>
         <p:spPr>
           <a:xfrm>
-            <a:off x="8656320" y="4476750"/>
-            <a:ext cx="3378200" cy="583565"/>
+            <a:off x="29530201" y="11597908"/>
+            <a:ext cx="4987541" cy="2636520"/>
           </a:xfrm>
           <a:prstGeom prst="rect">
             <a:avLst/>
@@ -3291,7 +3291,7 @@
           </a:bodyPr>
           <a:p>
             <a:r>
-              <a:rPr lang="en-US" sz="1600">
+              <a:rPr lang="en-US" sz="2365" b="1">
                 <a:latin typeface="微软雅黑" panose="020B0503020204020204" charset="-122"/>
                 <a:ea typeface="微软雅黑" panose="020B0503020204020204" charset="-122"/>
                 <a:cs typeface="微软雅黑" panose="020B0503020204020204" charset="-122"/>
@@ -3300,7 +3300,7 @@
               <a:t>3.</a:t>
             </a:r>
             <a:r>
-              <a:rPr lang="zh-CN" altLang="en-US" sz="1600">
+              <a:rPr lang="zh-CN" altLang="en-US" sz="2365" b="1">
                 <a:latin typeface="微软雅黑" panose="020B0503020204020204" charset="-122"/>
                 <a:ea typeface="微软雅黑" panose="020B0503020204020204" charset="-122"/>
                 <a:cs typeface="微软雅黑" panose="020B0503020204020204" charset="-122"/>
@@ -3309,7 +3309,7 @@
               <a:t>根据</a:t>
             </a:r>
             <a:r>
-              <a:rPr lang="en-US" altLang="zh-CN" sz="1600">
+              <a:rPr lang="en-US" altLang="zh-CN" sz="2365" b="1">
                 <a:latin typeface="微软雅黑" panose="020B0503020204020204" charset="-122"/>
                 <a:ea typeface="微软雅黑" panose="020B0503020204020204" charset="-122"/>
                 <a:cs typeface="微软雅黑" panose="020B0503020204020204" charset="-122"/>
@@ -3318,15 +3318,15 @@
               <a:t>FileCheckSum</a:t>
             </a:r>
             <a:r>
-              <a:rPr lang="zh-CN" altLang="en-US" sz="1600">
-                <a:latin typeface="微软雅黑" panose="020B0503020204020204" charset="-122"/>
-                <a:ea typeface="微软雅黑" panose="020B0503020204020204" charset="-122"/>
-                <a:cs typeface="微软雅黑" panose="020B0503020204020204" charset="-122"/>
-                <a:sym typeface="+mn-ea"/>
-              </a:rPr>
-              <a:t>对比文件差异，</a:t>
-            </a:r>
-            <a:endParaRPr lang="zh-CN" altLang="en-US" sz="1600">
+              <a:rPr lang="zh-CN" altLang="en-US" sz="2365" b="1">
+                <a:latin typeface="微软雅黑" panose="020B0503020204020204" charset="-122"/>
+                <a:ea typeface="微软雅黑" panose="020B0503020204020204" charset="-122"/>
+                <a:cs typeface="微软雅黑" panose="020B0503020204020204" charset="-122"/>
+                <a:sym typeface="+mn-ea"/>
+              </a:rPr>
+              <a:t>对比验证。</a:t>
+            </a:r>
+            <a:endParaRPr lang="zh-CN" altLang="en-US" sz="2365" b="1">
               <a:latin typeface="微软雅黑" panose="020B0503020204020204" charset="-122"/>
               <a:ea typeface="微软雅黑" panose="020B0503020204020204" charset="-122"/>
               <a:cs typeface="微软雅黑" panose="020B0503020204020204" charset="-122"/>
@@ -3335,15 +3335,84 @@
           </a:p>
           <a:p>
             <a:r>
-              <a:rPr lang="zh-CN" altLang="en-US" sz="1600">
-                <a:latin typeface="微软雅黑" panose="020B0503020204020204" charset="-122"/>
-                <a:ea typeface="微软雅黑" panose="020B0503020204020204" charset="-122"/>
-                <a:cs typeface="微软雅黑" panose="020B0503020204020204" charset="-122"/>
-                <a:sym typeface="+mn-ea"/>
-              </a:rPr>
-              <a:t>生成需要传输的文件列表</a:t>
-            </a:r>
-            <a:endParaRPr lang="zh-CN" altLang="en-US" sz="1600">
+              <a:rPr lang="en-US" altLang="zh-CN" sz="2365" b="1">
+                <a:latin typeface="微软雅黑" panose="020B0503020204020204" charset="-122"/>
+                <a:ea typeface="微软雅黑" panose="020B0503020204020204" charset="-122"/>
+                <a:cs typeface="微软雅黑" panose="020B0503020204020204" charset="-122"/>
+                <a:sym typeface="+mn-ea"/>
+              </a:rPr>
+              <a:t>1</a:t>
+            </a:r>
+            <a:r>
+              <a:rPr lang="zh-CN" altLang="en-US" sz="2365" b="1">
+                <a:latin typeface="微软雅黑" panose="020B0503020204020204" charset="-122"/>
+                <a:ea typeface="微软雅黑" panose="020B0503020204020204" charset="-122"/>
+                <a:cs typeface="微软雅黑" panose="020B0503020204020204" charset="-122"/>
+                <a:sym typeface="+mn-ea"/>
+              </a:rPr>
+              <a:t>）如果所有文件检验和一致，文件一致，不需要同步，结束客服端。</a:t>
+            </a:r>
+            <a:endParaRPr lang="zh-CN" altLang="en-US" sz="2365" b="1">
+              <a:latin typeface="微软雅黑" panose="020B0503020204020204" charset="-122"/>
+              <a:ea typeface="微软雅黑" panose="020B0503020204020204" charset="-122"/>
+              <a:cs typeface="微软雅黑" panose="020B0503020204020204" charset="-122"/>
+              <a:sym typeface="+mn-ea"/>
+            </a:endParaRPr>
+          </a:p>
+          <a:p>
+            <a:r>
+              <a:rPr lang="zh-CN" altLang="en-US" sz="2360" b="1">
+                <a:latin typeface="微软雅黑" panose="020B0503020204020204" charset="-122"/>
+                <a:ea typeface="微软雅黑" panose="020B0503020204020204" charset="-122"/>
+                <a:cs typeface="微软雅黑" panose="020B0503020204020204" charset="-122"/>
+                <a:sym typeface="+mn-ea"/>
+              </a:rPr>
+              <a:t>文件差异，</a:t>
+            </a:r>
+            <a:endParaRPr lang="zh-CN" altLang="en-US" sz="2360" b="1">
+              <a:latin typeface="微软雅黑" panose="020B0503020204020204" charset="-122"/>
+              <a:ea typeface="微软雅黑" panose="020B0503020204020204" charset="-122"/>
+              <a:cs typeface="微软雅黑" panose="020B0503020204020204" charset="-122"/>
+              <a:sym typeface="+mn-ea"/>
+            </a:endParaRPr>
+          </a:p>
+          <a:p>
+            <a:r>
+              <a:rPr lang="en-US" altLang="zh-CN" sz="2360" b="1">
+                <a:latin typeface="微软雅黑" panose="020B0503020204020204" charset="-122"/>
+                <a:ea typeface="微软雅黑" panose="020B0503020204020204" charset="-122"/>
+                <a:cs typeface="微软雅黑" panose="020B0503020204020204" charset="-122"/>
+                <a:sym typeface="+mn-ea"/>
+              </a:rPr>
+              <a:t>2</a:t>
+            </a:r>
+            <a:r>
+              <a:rPr lang="zh-CN" altLang="en-US" sz="2360" b="1">
+                <a:latin typeface="微软雅黑" panose="020B0503020204020204" charset="-122"/>
+                <a:ea typeface="微软雅黑" panose="020B0503020204020204" charset="-122"/>
+                <a:cs typeface="微软雅黑" panose="020B0503020204020204" charset="-122"/>
+                <a:sym typeface="+mn-ea"/>
+              </a:rPr>
+              <a:t>）如果存在差异生成需要传输的文件列表，打包成</a:t>
+            </a:r>
+            <a:r>
+              <a:rPr lang="en-US" altLang="zh-CN" sz="2360" b="1">
+                <a:latin typeface="微软雅黑" panose="020B0503020204020204" charset="-122"/>
+                <a:ea typeface="微软雅黑" panose="020B0503020204020204" charset="-122"/>
+                <a:cs typeface="微软雅黑" panose="020B0503020204020204" charset="-122"/>
+                <a:sym typeface="+mn-ea"/>
+              </a:rPr>
+              <a:t>zip</a:t>
+            </a:r>
+            <a:endParaRPr lang="en-US" altLang="zh-CN" sz="2360" b="1">
+              <a:latin typeface="微软雅黑" panose="020B0503020204020204" charset="-122"/>
+              <a:ea typeface="微软雅黑" panose="020B0503020204020204" charset="-122"/>
+              <a:cs typeface="微软雅黑" panose="020B0503020204020204" charset="-122"/>
+              <a:sym typeface="+mn-ea"/>
+            </a:endParaRPr>
+          </a:p>
+          <a:p>
+            <a:endParaRPr lang="en-US" altLang="zh-CN" sz="2365" b="1">
               <a:latin typeface="微软雅黑" panose="020B0503020204020204" charset="-122"/>
               <a:ea typeface="微软雅黑" panose="020B0503020204020204" charset="-122"/>
               <a:cs typeface="微软雅黑" panose="020B0503020204020204" charset="-122"/>
@@ -3360,8 +3429,8 @@
         </p:nvCxnSpPr>
         <p:spPr>
           <a:xfrm flipH="1" flipV="1">
-            <a:off x="2125345" y="3503930"/>
-            <a:ext cx="7747000" cy="12700"/>
+            <a:off x="19737439" y="9110700"/>
+            <a:ext cx="11437594" cy="18750"/>
           </a:xfrm>
           <a:prstGeom prst="straightConnector1">
             <a:avLst/>
@@ -3393,8 +3462,8 @@
         </p:nvSpPr>
         <p:spPr>
           <a:xfrm>
-            <a:off x="3406140" y="3608070"/>
-            <a:ext cx="4015740" cy="337185"/>
+            <a:off x="21253742" y="9350811"/>
+            <a:ext cx="5928799" cy="455295"/>
           </a:xfrm>
           <a:prstGeom prst="rect">
             <a:avLst/>
@@ -3407,7 +3476,7 @@
           </a:bodyPr>
           <a:p>
             <a:r>
-              <a:rPr lang="en-US" sz="1600">
+              <a:rPr lang="en-US" sz="2365" b="1">
                 <a:latin typeface="微软雅黑" panose="020B0503020204020204" charset="-122"/>
                 <a:ea typeface="微软雅黑" panose="020B0503020204020204" charset="-122"/>
                 <a:cs typeface="微软雅黑" panose="020B0503020204020204" charset="-122"/>
@@ -3416,15 +3485,33 @@
               <a:t>4.</a:t>
             </a:r>
             <a:r>
-              <a:rPr lang="zh-CN" altLang="en-US" sz="1600">
-                <a:latin typeface="微软雅黑" panose="020B0503020204020204" charset="-122"/>
-                <a:ea typeface="微软雅黑" panose="020B0503020204020204" charset="-122"/>
-                <a:cs typeface="微软雅黑" panose="020B0503020204020204" charset="-122"/>
-                <a:sym typeface="+mn-ea"/>
-              </a:rPr>
-              <a:t>进行差异文件对比结果信息传输</a:t>
-            </a:r>
-            <a:endParaRPr lang="zh-CN" altLang="en-US" sz="1600">
+              <a:rPr lang="zh-CN" altLang="en-US" sz="2365" b="1">
+                <a:latin typeface="微软雅黑" panose="020B0503020204020204" charset="-122"/>
+                <a:ea typeface="微软雅黑" panose="020B0503020204020204" charset="-122"/>
+                <a:cs typeface="微软雅黑" panose="020B0503020204020204" charset="-122"/>
+                <a:sym typeface="+mn-ea"/>
+              </a:rPr>
+              <a:t>进行差异文件</a:t>
+            </a:r>
+            <a:r>
+              <a:rPr lang="en-US" altLang="zh-CN" sz="2365" b="1">
+                <a:latin typeface="微软雅黑" panose="020B0503020204020204" charset="-122"/>
+                <a:ea typeface="微软雅黑" panose="020B0503020204020204" charset="-122"/>
+                <a:cs typeface="微软雅黑" panose="020B0503020204020204" charset="-122"/>
+                <a:sym typeface="+mn-ea"/>
+              </a:rPr>
+              <a:t>Zip</a:t>
+            </a:r>
+            <a:r>
+              <a:rPr lang="zh-CN" altLang="en-US" sz="2365" b="1">
+                <a:latin typeface="微软雅黑" panose="020B0503020204020204" charset="-122"/>
+                <a:ea typeface="微软雅黑" panose="020B0503020204020204" charset="-122"/>
+                <a:cs typeface="微软雅黑" panose="020B0503020204020204" charset="-122"/>
+                <a:sym typeface="+mn-ea"/>
+              </a:rPr>
+              <a:t>包传输</a:t>
+            </a:r>
+            <a:endParaRPr lang="zh-CN" altLang="en-US" sz="2365" b="1">
               <a:latin typeface="微软雅黑" panose="020B0503020204020204" charset="-122"/>
               <a:ea typeface="微软雅黑" panose="020B0503020204020204" charset="-122"/>
               <a:cs typeface="微软雅黑" panose="020B0503020204020204" charset="-122"/>
@@ -3437,19 +3524,20 @@
         <p:nvCxnSpPr>
           <p:cNvPr id="15" name="肘形连接符 14"/>
           <p:cNvCxnSpPr>
+            <a:stCxn id="4" idx="2"/>
             <a:endCxn id="4" idx="1"/>
           </p:cNvCxnSpPr>
           <p:nvPr/>
         </p:nvCxnSpPr>
         <p:spPr>
-          <a:xfrm rot="16200000" flipV="1">
-            <a:off x="864235" y="3200400"/>
-            <a:ext cx="695960" cy="619125"/>
+          <a:xfrm rot="5400000" flipH="1">
+            <a:off x="17124045" y="9360535"/>
+            <a:ext cx="2494915" cy="915035"/>
           </a:xfrm>
           <a:prstGeom prst="bentConnector4">
             <a:avLst>
-              <a:gd name="adj1" fmla="val 547"/>
-              <a:gd name="adj2" fmla="val 134916"/>
+              <a:gd name="adj1" fmla="val -9544"/>
+              <a:gd name="adj2" fmla="val 126024"/>
             </a:avLst>
           </a:prstGeom>
           <a:ln>
@@ -3479,8 +3567,8 @@
         </p:nvSpPr>
         <p:spPr>
           <a:xfrm>
-            <a:off x="572135" y="4476750"/>
-            <a:ext cx="2212975" cy="583565"/>
+            <a:off x="15581061" y="11597375"/>
+            <a:ext cx="6958182" cy="2276475"/>
           </a:xfrm>
           <a:prstGeom prst="rect">
             <a:avLst/>
@@ -3493,7 +3581,7 @@
           </a:bodyPr>
           <a:p>
             <a:r>
-              <a:rPr lang="en-US" altLang="zh-CN" sz="1600">
+              <a:rPr lang="en-US" altLang="zh-CN" sz="2365" b="1">
                 <a:latin typeface="微软雅黑" panose="020B0503020204020204" charset="-122"/>
                 <a:ea typeface="微软雅黑" panose="020B0503020204020204" charset="-122"/>
                 <a:cs typeface="微软雅黑" panose="020B0503020204020204" charset="-122"/>
@@ -3502,15 +3590,199 @@
               <a:t>5.</a:t>
             </a:r>
             <a:r>
-              <a:rPr lang="zh-CN" altLang="en-US" sz="1600">
-                <a:latin typeface="微软雅黑" panose="020B0503020204020204" charset="-122"/>
-                <a:ea typeface="微软雅黑" panose="020B0503020204020204" charset="-122"/>
-                <a:cs typeface="微软雅黑" panose="020B0503020204020204" charset="-122"/>
-                <a:sym typeface="+mn-ea"/>
-              </a:rPr>
-              <a:t>进行新文件生成，删除以前文件</a:t>
-            </a:r>
-            <a:endParaRPr lang="zh-CN" altLang="en-US" sz="1600">
+              <a:rPr lang="zh-CN" altLang="en-US" sz="2365" b="1">
+                <a:latin typeface="微软雅黑" panose="020B0503020204020204" charset="-122"/>
+                <a:ea typeface="微软雅黑" panose="020B0503020204020204" charset="-122"/>
+                <a:cs typeface="微软雅黑" panose="020B0503020204020204" charset="-122"/>
+                <a:sym typeface="+mn-ea"/>
+              </a:rPr>
+              <a:t>根据</a:t>
+            </a:r>
+            <a:r>
+              <a:rPr lang="en-US" altLang="zh-CN" sz="2365" b="1">
+                <a:latin typeface="微软雅黑" panose="020B0503020204020204" charset="-122"/>
+                <a:ea typeface="微软雅黑" panose="020B0503020204020204" charset="-122"/>
+                <a:cs typeface="微软雅黑" panose="020B0503020204020204" charset="-122"/>
+                <a:sym typeface="+mn-ea"/>
+              </a:rPr>
+              <a:t>zip</a:t>
+            </a:r>
+            <a:r>
+              <a:rPr lang="zh-CN" altLang="en-US" sz="2365" b="1">
+                <a:latin typeface="微软雅黑" panose="020B0503020204020204" charset="-122"/>
+                <a:ea typeface="微软雅黑" panose="020B0503020204020204" charset="-122"/>
+                <a:cs typeface="微软雅黑" panose="020B0503020204020204" charset="-122"/>
+                <a:sym typeface="+mn-ea"/>
+              </a:rPr>
+              <a:t>包内容进行处理：</a:t>
+            </a:r>
+            <a:endParaRPr lang="zh-CN" altLang="en-US" sz="2365" b="1">
+              <a:latin typeface="微软雅黑" panose="020B0503020204020204" charset="-122"/>
+              <a:ea typeface="微软雅黑" panose="020B0503020204020204" charset="-122"/>
+              <a:cs typeface="微软雅黑" panose="020B0503020204020204" charset="-122"/>
+              <a:sym typeface="+mn-ea"/>
+            </a:endParaRPr>
+          </a:p>
+          <a:p>
+            <a:r>
+              <a:rPr lang="en-US" altLang="zh-CN" sz="2365" b="1">
+                <a:latin typeface="微软雅黑" panose="020B0503020204020204" charset="-122"/>
+                <a:ea typeface="微软雅黑" panose="020B0503020204020204" charset="-122"/>
+                <a:cs typeface="微软雅黑" panose="020B0503020204020204" charset="-122"/>
+                <a:sym typeface="+mn-ea"/>
+              </a:rPr>
+              <a:t>1</a:t>
+            </a:r>
+            <a:r>
+              <a:rPr lang="zh-CN" altLang="en-US" sz="2365" b="1">
+                <a:latin typeface="微软雅黑" panose="020B0503020204020204" charset="-122"/>
+                <a:ea typeface="微软雅黑" panose="020B0503020204020204" charset="-122"/>
+                <a:cs typeface="微软雅黑" panose="020B0503020204020204" charset="-122"/>
+                <a:sym typeface="+mn-ea"/>
+              </a:rPr>
+              <a:t>）</a:t>
+            </a:r>
+            <a:r>
+              <a:rPr lang="en-US" altLang="zh-CN" sz="2365" b="1">
+                <a:latin typeface="微软雅黑" panose="020B0503020204020204" charset="-122"/>
+                <a:ea typeface="微软雅黑" panose="020B0503020204020204" charset="-122"/>
+                <a:cs typeface="微软雅黑" panose="020B0503020204020204" charset="-122"/>
+                <a:sym typeface="+mn-ea"/>
+              </a:rPr>
+              <a:t>zip</a:t>
+            </a:r>
+            <a:r>
+              <a:rPr lang="zh-CN" altLang="en-US" sz="2365" b="1">
+                <a:latin typeface="微软雅黑" panose="020B0503020204020204" charset="-122"/>
+                <a:ea typeface="微软雅黑" panose="020B0503020204020204" charset="-122"/>
+                <a:cs typeface="微软雅黑" panose="020B0503020204020204" charset="-122"/>
+                <a:sym typeface="+mn-ea"/>
+              </a:rPr>
+              <a:t>包存在的文件，本地目录也存在，进行合并</a:t>
+            </a:r>
+            <a:endParaRPr lang="zh-CN" altLang="en-US" sz="2365" b="1">
+              <a:latin typeface="微软雅黑" panose="020B0503020204020204" charset="-122"/>
+              <a:ea typeface="微软雅黑" panose="020B0503020204020204" charset="-122"/>
+              <a:cs typeface="微软雅黑" panose="020B0503020204020204" charset="-122"/>
+              <a:sym typeface="+mn-ea"/>
+            </a:endParaRPr>
+          </a:p>
+          <a:p>
+            <a:r>
+              <a:rPr lang="en-US" altLang="zh-CN" sz="2365" b="1">
+                <a:latin typeface="微软雅黑" panose="020B0503020204020204" charset="-122"/>
+                <a:ea typeface="微软雅黑" panose="020B0503020204020204" charset="-122"/>
+                <a:cs typeface="微软雅黑" panose="020B0503020204020204" charset="-122"/>
+                <a:sym typeface="+mn-ea"/>
+              </a:rPr>
+              <a:t>2</a:t>
+            </a:r>
+            <a:r>
+              <a:rPr lang="zh-CN" altLang="en-US" sz="2365" b="1">
+                <a:latin typeface="微软雅黑" panose="020B0503020204020204" charset="-122"/>
+                <a:ea typeface="微软雅黑" panose="020B0503020204020204" charset="-122"/>
+                <a:cs typeface="微软雅黑" panose="020B0503020204020204" charset="-122"/>
+                <a:sym typeface="+mn-ea"/>
+              </a:rPr>
+              <a:t>）</a:t>
+            </a:r>
+            <a:r>
+              <a:rPr lang="en-US" altLang="zh-CN" sz="2365" b="1">
+                <a:latin typeface="微软雅黑" panose="020B0503020204020204" charset="-122"/>
+                <a:ea typeface="微软雅黑" panose="020B0503020204020204" charset="-122"/>
+                <a:cs typeface="微软雅黑" panose="020B0503020204020204" charset="-122"/>
+                <a:sym typeface="+mn-ea"/>
+              </a:rPr>
+              <a:t>zip</a:t>
+            </a:r>
+            <a:r>
+              <a:rPr lang="zh-CN" altLang="en-US" sz="2365" b="1">
+                <a:latin typeface="微软雅黑" panose="020B0503020204020204" charset="-122"/>
+                <a:ea typeface="微软雅黑" panose="020B0503020204020204" charset="-122"/>
+                <a:cs typeface="微软雅黑" panose="020B0503020204020204" charset="-122"/>
+                <a:sym typeface="+mn-ea"/>
+              </a:rPr>
+              <a:t>存在的文件本地不存在进行复制</a:t>
+            </a:r>
+            <a:endParaRPr lang="zh-CN" altLang="en-US" sz="2365" b="1">
+              <a:latin typeface="微软雅黑" panose="020B0503020204020204" charset="-122"/>
+              <a:ea typeface="微软雅黑" panose="020B0503020204020204" charset="-122"/>
+              <a:cs typeface="微软雅黑" panose="020B0503020204020204" charset="-122"/>
+              <a:sym typeface="+mn-ea"/>
+            </a:endParaRPr>
+          </a:p>
+          <a:p>
+            <a:r>
+              <a:rPr lang="en-US" altLang="zh-CN" sz="2365" b="1">
+                <a:latin typeface="微软雅黑" panose="020B0503020204020204" charset="-122"/>
+                <a:ea typeface="微软雅黑" panose="020B0503020204020204" charset="-122"/>
+                <a:cs typeface="微软雅黑" panose="020B0503020204020204" charset="-122"/>
+                <a:sym typeface="+mn-ea"/>
+              </a:rPr>
+              <a:t>3</a:t>
+            </a:r>
+            <a:r>
+              <a:rPr lang="zh-CN" altLang="en-US" sz="2365" b="1">
+                <a:latin typeface="微软雅黑" panose="020B0503020204020204" charset="-122"/>
+                <a:ea typeface="微软雅黑" panose="020B0503020204020204" charset="-122"/>
+                <a:cs typeface="微软雅黑" panose="020B0503020204020204" charset="-122"/>
+                <a:sym typeface="+mn-ea"/>
+              </a:rPr>
+              <a:t>）不需要同步的文件（检验码一致）跳过处理</a:t>
+            </a:r>
+            <a:endParaRPr lang="zh-CN" altLang="en-US" sz="2365" b="1">
+              <a:latin typeface="微软雅黑" panose="020B0503020204020204" charset="-122"/>
+              <a:ea typeface="微软雅黑" panose="020B0503020204020204" charset="-122"/>
+              <a:cs typeface="微软雅黑" panose="020B0503020204020204" charset="-122"/>
+              <a:sym typeface="+mn-ea"/>
+            </a:endParaRPr>
+          </a:p>
+          <a:p>
+            <a:endParaRPr lang="zh-CN" altLang="en-US" sz="2365" b="1">
+              <a:latin typeface="微软雅黑" panose="020B0503020204020204" charset="-122"/>
+              <a:ea typeface="微软雅黑" panose="020B0503020204020204" charset="-122"/>
+              <a:cs typeface="微软雅黑" panose="020B0503020204020204" charset="-122"/>
+              <a:sym typeface="+mn-ea"/>
+            </a:endParaRPr>
+          </a:p>
+          <a:p>
+            <a:r>
+              <a:rPr lang="en-US" altLang="zh-CN" sz="2365" b="1">
+                <a:latin typeface="微软雅黑" panose="020B0503020204020204" charset="-122"/>
+                <a:ea typeface="微软雅黑" panose="020B0503020204020204" charset="-122"/>
+                <a:cs typeface="微软雅黑" panose="020B0503020204020204" charset="-122"/>
+                <a:sym typeface="+mn-ea"/>
+              </a:rPr>
+              <a:t>6.</a:t>
+            </a:r>
+            <a:r>
+              <a:rPr lang="zh-CN" altLang="en-US" sz="2365" b="1">
+                <a:latin typeface="微软雅黑" panose="020B0503020204020204" charset="-122"/>
+                <a:ea typeface="微软雅黑" panose="020B0503020204020204" charset="-122"/>
+                <a:cs typeface="微软雅黑" panose="020B0503020204020204" charset="-122"/>
+                <a:sym typeface="+mn-ea"/>
+              </a:rPr>
+              <a:t>重复第</a:t>
+            </a:r>
+            <a:r>
+              <a:rPr lang="en-US" altLang="zh-CN" sz="2365" b="1">
+                <a:latin typeface="微软雅黑" panose="020B0503020204020204" charset="-122"/>
+                <a:ea typeface="微软雅黑" panose="020B0503020204020204" charset="-122"/>
+                <a:cs typeface="微软雅黑" panose="020B0503020204020204" charset="-122"/>
+                <a:sym typeface="+mn-ea"/>
+              </a:rPr>
+              <a:t>1</a:t>
+            </a:r>
+            <a:r>
+              <a:rPr lang="zh-CN" altLang="en-US" sz="2365" b="1">
+                <a:latin typeface="微软雅黑" panose="020B0503020204020204" charset="-122"/>
+                <a:ea typeface="微软雅黑" panose="020B0503020204020204" charset="-122"/>
+                <a:cs typeface="微软雅黑" panose="020B0503020204020204" charset="-122"/>
+                <a:sym typeface="+mn-ea"/>
+              </a:rPr>
+              <a:t>步</a:t>
+            </a:r>
+            <a:endParaRPr lang="zh-CN" altLang="en-US" sz="2365" b="1">
               <a:latin typeface="微软雅黑" panose="020B0503020204020204" charset="-122"/>
               <a:ea typeface="微软雅黑" panose="020B0503020204020204" charset="-122"/>
               <a:cs typeface="微软雅黑" panose="020B0503020204020204" charset="-122"/>
@@ -3530,13 +3802,13 @@
         </p:nvCxnSpPr>
         <p:spPr>
           <a:xfrm flipH="1">
-            <a:off x="10459720" y="3171825"/>
-            <a:ext cx="574675" cy="860425"/>
+            <a:off x="32023478" y="8566946"/>
+            <a:ext cx="848444" cy="2498458"/>
           </a:xfrm>
           <a:prstGeom prst="bentConnector4">
             <a:avLst>
               <a:gd name="adj1" fmla="val -41436"/>
-              <a:gd name="adj2" fmla="val 127675"/>
+              <a:gd name="adj2" fmla="val 114071"/>
             </a:avLst>
           </a:prstGeom>
           <a:ln>
@@ -3566,8 +3838,8 @@
         </p:nvSpPr>
         <p:spPr>
           <a:xfrm>
-            <a:off x="370840" y="412750"/>
-            <a:ext cx="2921000" cy="460375"/>
+            <a:off x="17147105" y="4546913"/>
+            <a:ext cx="4312536" cy="637540"/>
           </a:xfrm>
           <a:prstGeom prst="rect">
             <a:avLst/>
@@ -3580,10 +3852,16 @@
           </a:bodyPr>
           <a:p>
             <a:r>
-              <a:rPr lang="zh-CN" altLang="en-US" sz="2400" b="1"/>
+              <a:rPr lang="zh-CN" altLang="en-US" sz="3545" b="1">
+                <a:latin typeface="微软雅黑" panose="020B0503020204020204" charset="-122"/>
+                <a:ea typeface="微软雅黑" panose="020B0503020204020204" charset="-122"/>
+              </a:rPr>
               <a:t>文件同步流程</a:t>
             </a:r>
-            <a:endParaRPr lang="zh-CN" altLang="en-US" sz="2400" b="1"/>
+            <a:endParaRPr lang="zh-CN" altLang="en-US" sz="3545" b="1">
+              <a:latin typeface="微软雅黑" panose="020B0503020204020204" charset="-122"/>
+              <a:ea typeface="微软雅黑" panose="020B0503020204020204" charset="-122"/>
+            </a:endParaRPr>
           </a:p>
         </p:txBody>
       </p:sp>
